--- a/My Last Task 2 British Airways.pptx
+++ b/My Last Task 2 British Airways.pptx
@@ -158,16 +158,24 @@
   <pc:docChgLst>
     <pc:chgData name="Anand Shaw" userId="2821f59cd4a7c881" providerId="LiveId" clId="{245101BC-7ABF-4F50-A83E-04560E1848BB}"/>
     <pc:docChg chg="modSld">
-      <pc:chgData name="Anand Shaw" userId="2821f59cd4a7c881" providerId="LiveId" clId="{245101BC-7ABF-4F50-A83E-04560E1848BB}" dt="2024-06-11T06:08:44.968" v="7"/>
+      <pc:chgData name="Anand Shaw" userId="2821f59cd4a7c881" providerId="LiveId" clId="{245101BC-7ABF-4F50-A83E-04560E1848BB}" dt="2024-06-11T10:39:06.216" v="8" actId="14100"/>
       <pc:docMkLst>
         <pc:docMk/>
       </pc:docMkLst>
-      <pc:sldChg chg="modSp">
-        <pc:chgData name="Anand Shaw" userId="2821f59cd4a7c881" providerId="LiveId" clId="{245101BC-7ABF-4F50-A83E-04560E1848BB}" dt="2024-06-11T06:08:44.968" v="7"/>
+      <pc:sldChg chg="modSp mod">
+        <pc:chgData name="Anand Shaw" userId="2821f59cd4a7c881" providerId="LiveId" clId="{245101BC-7ABF-4F50-A83E-04560E1848BB}" dt="2024-06-11T10:39:06.216" v="8" actId="14100"/>
         <pc:sldMkLst>
           <pc:docMk/>
           <pc:sldMk cId="2539196362" sldId="257"/>
         </pc:sldMkLst>
+        <pc:spChg chg="mod">
+          <ac:chgData name="Anand Shaw" userId="2821f59cd4a7c881" providerId="LiveId" clId="{245101BC-7ABF-4F50-A83E-04560E1848BB}" dt="2024-06-11T10:39:06.216" v="8" actId="14100"/>
+          <ac:spMkLst>
+            <pc:docMk/>
+            <pc:sldMk cId="2539196362" sldId="257"/>
+            <ac:spMk id="3" creationId="{547DCBCB-0CBF-26BF-EA67-CE7E3DECDAF0}"/>
+          </ac:spMkLst>
+        </pc:spChg>
         <pc:graphicFrameChg chg="mod">
           <ac:chgData name="Anand Shaw" userId="2821f59cd4a7c881" providerId="LiveId" clId="{245101BC-7ABF-4F50-A83E-04560E1848BB}" dt="2024-06-11T06:08:44.968" v="7"/>
           <ac:graphicFrameMkLst>
@@ -8245,7 +8253,7 @@
         <p:spPr>
           <a:xfrm>
             <a:off x="0" y="4273645"/>
-            <a:ext cx="6339788" cy="2631490"/>
+            <a:ext cx="6408420" cy="2631490"/>
           </a:xfrm>
           <a:prstGeom prst="rect">
             <a:avLst/>
@@ -10739,15 +10747,6 @@
 </file>
 
 <file path=customXml/item1.xml><?xml version="1.0" encoding="utf-8"?>
-<?mso-contentType ?>
-<FormTemplates xmlns="http://schemas.microsoft.com/sharepoint/v3/contenttype/forms">
-  <Display>DocumentLibraryForm</Display>
-  <Edit>DocumentLibraryForm</Edit>
-  <New>DocumentLibraryForm</New>
-</FormTemplates>
-</file>
-
-<file path=customXml/item2.xml><?xml version="1.0" encoding="utf-8"?>
 <p:properties xmlns:p="http://schemas.microsoft.com/office/2006/metadata/properties" xmlns:xsi="http://www.w3.org/2001/XMLSchema-instance" xmlns:pc="http://schemas.microsoft.com/office/infopath/2007/PartnerControls">
   <documentManagement>
     <SharedWithUsers xmlns="81b85e46-be1c-4d4d-af3f-3ff4749bae08">
@@ -10769,6 +10768,15 @@
     </SharedWithUsers>
   </documentManagement>
 </p:properties>
+</file>
+
+<file path=customXml/item2.xml><?xml version="1.0" encoding="utf-8"?>
+<?mso-contentType ?>
+<FormTemplates xmlns="http://schemas.microsoft.com/sharepoint/v3/contenttype/forms">
+  <Display>DocumentLibraryForm</Display>
+  <Edit>DocumentLibraryForm</Edit>
+  <New>DocumentLibraryForm</New>
+</FormTemplates>
 </file>
 
 <file path=customXml/item3.xml><?xml version="1.0" encoding="utf-8"?>
@@ -10963,14 +10971,6 @@
 </file>
 
 <file path=customXml/itemProps1.xml><?xml version="1.0" encoding="utf-8"?>
-<ds:datastoreItem xmlns:ds="http://schemas.openxmlformats.org/officeDocument/2006/customXml" ds:itemID="{473D82A4-28C2-4B97-A470-A3247BBF4BEB}">
-  <ds:schemaRefs>
-    <ds:schemaRef ds:uri="http://schemas.microsoft.com/sharepoint/v3/contenttype/forms"/>
-  </ds:schemaRefs>
-</ds:datastoreItem>
-</file>
-
-<file path=customXml/itemProps2.xml><?xml version="1.0" encoding="utf-8"?>
 <ds:datastoreItem xmlns:ds="http://schemas.openxmlformats.org/officeDocument/2006/customXml" ds:itemID="{FA0A2C6C-ACEB-4D76-A29E-B1C9FEC52B8B}">
   <ds:schemaRefs>
     <ds:schemaRef ds:uri="http://purl.org/dc/elements/1.1/"/>
@@ -10983,6 +10983,14 @@
     <ds:schemaRef ds:uri="81b85e46-be1c-4d4d-af3f-3ff4749bae08"/>
     <ds:schemaRef ds:uri="http://schemas.microsoft.com/office/2006/metadata/properties"/>
     <ds:schemaRef ds:uri="http://www.w3.org/XML/1998/namespace"/>
+  </ds:schemaRefs>
+</ds:datastoreItem>
+</file>
+
+<file path=customXml/itemProps2.xml><?xml version="1.0" encoding="utf-8"?>
+<ds:datastoreItem xmlns:ds="http://schemas.openxmlformats.org/officeDocument/2006/customXml" ds:itemID="{473D82A4-28C2-4B97-A470-A3247BBF4BEB}">
+  <ds:schemaRefs>
+    <ds:schemaRef ds:uri="http://schemas.microsoft.com/sharepoint/v3/contenttype/forms"/>
   </ds:schemaRefs>
 </ds:datastoreItem>
 </file>
